--- a/pptxproject3.pptx
+++ b/pptxproject3.pptx
@@ -8,6 +8,9 @@
     <p:sldId id="256" r:id="rId2"/>
     <p:sldId id="257" r:id="rId3"/>
     <p:sldId id="258" r:id="rId4"/>
+    <p:sldId id="259" r:id="rId5"/>
+    <p:sldId id="260" r:id="rId6"/>
+    <p:sldId id="261" r:id="rId7"/>
   </p:sldIdLst>
   <p:sldSz cx="12192000" cy="6858000"/>
   <p:notesSz cx="6858000" cy="9144000"/>
@@ -106,6 +109,11 @@
       </a:defRPr>
     </a:lvl9pPr>
   </p:defaultTextStyle>
+  <p:extLst>
+    <p:ext uri="{EFAFB233-063F-42B5-8137-9DF3F51BA10A}">
+      <p15:sldGuideLst xmlns:p15="http://schemas.microsoft.com/office/powerpoint/2012/main"/>
+    </p:ext>
+  </p:extLst>
 </p:presentation>
 </file>
 
@@ -256,7 +264,7 @@
           <a:p>
             <a:fld id="{34CB931F-F7E7-6B40-89C6-B148FEDF1950}" type="datetimeFigureOut">
               <a:rPr lang="ru-RU" smtClean="0"/>
-              <a:t>16.04.2024</a:t>
+              <a:t>24.04.2024</a:t>
             </a:fld>
             <a:endParaRPr lang="ru-RU"/>
           </a:p>
@@ -454,7 +462,7 @@
           <a:p>
             <a:fld id="{34CB931F-F7E7-6B40-89C6-B148FEDF1950}" type="datetimeFigureOut">
               <a:rPr lang="ru-RU" smtClean="0"/>
-              <a:t>16.04.2024</a:t>
+              <a:t>24.04.2024</a:t>
             </a:fld>
             <a:endParaRPr lang="ru-RU"/>
           </a:p>
@@ -662,7 +670,7 @@
           <a:p>
             <a:fld id="{34CB931F-F7E7-6B40-89C6-B148FEDF1950}" type="datetimeFigureOut">
               <a:rPr lang="ru-RU" smtClean="0"/>
-              <a:t>16.04.2024</a:t>
+              <a:t>24.04.2024</a:t>
             </a:fld>
             <a:endParaRPr lang="ru-RU"/>
           </a:p>
@@ -860,7 +868,7 @@
           <a:p>
             <a:fld id="{34CB931F-F7E7-6B40-89C6-B148FEDF1950}" type="datetimeFigureOut">
               <a:rPr lang="ru-RU" smtClean="0"/>
-              <a:t>16.04.2024</a:t>
+              <a:t>24.04.2024</a:t>
             </a:fld>
             <a:endParaRPr lang="ru-RU"/>
           </a:p>
@@ -1135,7 +1143,7 @@
           <a:p>
             <a:fld id="{34CB931F-F7E7-6B40-89C6-B148FEDF1950}" type="datetimeFigureOut">
               <a:rPr lang="ru-RU" smtClean="0"/>
-              <a:t>16.04.2024</a:t>
+              <a:t>24.04.2024</a:t>
             </a:fld>
             <a:endParaRPr lang="ru-RU"/>
           </a:p>
@@ -1400,7 +1408,7 @@
           <a:p>
             <a:fld id="{34CB931F-F7E7-6B40-89C6-B148FEDF1950}" type="datetimeFigureOut">
               <a:rPr lang="ru-RU" smtClean="0"/>
-              <a:t>16.04.2024</a:t>
+              <a:t>24.04.2024</a:t>
             </a:fld>
             <a:endParaRPr lang="ru-RU"/>
           </a:p>
@@ -1812,7 +1820,7 @@
           <a:p>
             <a:fld id="{34CB931F-F7E7-6B40-89C6-B148FEDF1950}" type="datetimeFigureOut">
               <a:rPr lang="ru-RU" smtClean="0"/>
-              <a:t>16.04.2024</a:t>
+              <a:t>24.04.2024</a:t>
             </a:fld>
             <a:endParaRPr lang="ru-RU"/>
           </a:p>
@@ -1953,7 +1961,7 @@
           <a:p>
             <a:fld id="{34CB931F-F7E7-6B40-89C6-B148FEDF1950}" type="datetimeFigureOut">
               <a:rPr lang="ru-RU" smtClean="0"/>
-              <a:t>16.04.2024</a:t>
+              <a:t>24.04.2024</a:t>
             </a:fld>
             <a:endParaRPr lang="ru-RU"/>
           </a:p>
@@ -2066,7 +2074,7 @@
           <a:p>
             <a:fld id="{34CB931F-F7E7-6B40-89C6-B148FEDF1950}" type="datetimeFigureOut">
               <a:rPr lang="ru-RU" smtClean="0"/>
-              <a:t>16.04.2024</a:t>
+              <a:t>24.04.2024</a:t>
             </a:fld>
             <a:endParaRPr lang="ru-RU"/>
           </a:p>
@@ -2377,7 +2385,7 @@
           <a:p>
             <a:fld id="{34CB931F-F7E7-6B40-89C6-B148FEDF1950}" type="datetimeFigureOut">
               <a:rPr lang="ru-RU" smtClean="0"/>
-              <a:t>16.04.2024</a:t>
+              <a:t>24.04.2024</a:t>
             </a:fld>
             <a:endParaRPr lang="ru-RU"/>
           </a:p>
@@ -2665,7 +2673,7 @@
           <a:p>
             <a:fld id="{34CB931F-F7E7-6B40-89C6-B148FEDF1950}" type="datetimeFigureOut">
               <a:rPr lang="ru-RU" smtClean="0"/>
-              <a:t>16.04.2024</a:t>
+              <a:t>24.04.2024</a:t>
             </a:fld>
             <a:endParaRPr lang="ru-RU"/>
           </a:p>
@@ -2906,7 +2914,7 @@
           <a:p>
             <a:fld id="{34CB931F-F7E7-6B40-89C6-B148FEDF1950}" type="datetimeFigureOut">
               <a:rPr lang="ru-RU" smtClean="0"/>
-              <a:t>16.04.2024</a:t>
+              <a:t>24.04.2024</a:t>
             </a:fld>
             <a:endParaRPr lang="ru-RU"/>
           </a:p>
@@ -3670,6 +3678,300 @@
           </a:p>
         </p:txBody>
       </p:sp>
+      <p:pic>
+        <p:nvPicPr>
+          <p:cNvPr id="2" name="Рисунок 1" descr="Изображение выглядит как круг, Графика, сердце, снимок экрана&#10;&#10;Автоматически созданное описание">
+            <a:extLst>
+              <a:ext uri="{FF2B5EF4-FFF2-40B4-BE49-F238E27FC236}">
+                <a16:creationId xmlns:a16="http://schemas.microsoft.com/office/drawing/2014/main" id="{5B9705E8-6CDD-DB86-3949-AF95E20F634E}"/>
+              </a:ext>
+            </a:extLst>
+          </p:cNvPr>
+          <p:cNvPicPr>
+            <a:picLocks noChangeAspect="1"/>
+          </p:cNvPicPr>
+          <p:nvPr/>
+        </p:nvPicPr>
+        <p:blipFill>
+          <a:blip r:embed="rId2">
+            <a:extLst>
+              <a:ext uri="{837473B0-CC2E-450A-ABE3-18F120FF3D39}">
+                <a1611:picAttrSrcUrl xmlns:a1611="http://schemas.microsoft.com/office/drawing/2016/11/main" r:id="rId3"/>
+              </a:ext>
+            </a:extLst>
+          </a:blip>
+          <a:stretch>
+            <a:fillRect/>
+          </a:stretch>
+        </p:blipFill>
+        <p:spPr>
+          <a:xfrm>
+            <a:off x="2252411" y="1297469"/>
+            <a:ext cx="1908175" cy="1908175"/>
+          </a:xfrm>
+          <a:prstGeom prst="rect">
+            <a:avLst/>
+          </a:prstGeom>
+        </p:spPr>
+      </p:pic>
+      <p:pic>
+        <p:nvPicPr>
+          <p:cNvPr id="3" name="Рисунок 2" descr="Изображение выглядит как круг, Графика, сердце, снимок экрана&#10;&#10;Автоматически созданное описание">
+            <a:extLst>
+              <a:ext uri="{FF2B5EF4-FFF2-40B4-BE49-F238E27FC236}">
+                <a16:creationId xmlns:a16="http://schemas.microsoft.com/office/drawing/2014/main" id="{EC9C5FB2-99F2-F94A-24AA-0C0387BC6C5F}"/>
+              </a:ext>
+            </a:extLst>
+          </p:cNvPr>
+          <p:cNvPicPr>
+            <a:picLocks noChangeAspect="1"/>
+          </p:cNvPicPr>
+          <p:nvPr/>
+        </p:nvPicPr>
+        <p:blipFill>
+          <a:blip r:embed="rId2">
+            <a:extLst>
+              <a:ext uri="{837473B0-CC2E-450A-ABE3-18F120FF3D39}">
+                <a1611:picAttrSrcUrl xmlns:a1611="http://schemas.microsoft.com/office/drawing/2016/11/main" r:id="rId3"/>
+              </a:ext>
+            </a:extLst>
+          </a:blip>
+          <a:stretch>
+            <a:fillRect/>
+          </a:stretch>
+        </p:blipFill>
+        <p:spPr>
+          <a:xfrm>
+            <a:off x="6992687" y="4767425"/>
+            <a:ext cx="1908000" cy="1908000"/>
+          </a:xfrm>
+          <a:prstGeom prst="rect">
+            <a:avLst/>
+          </a:prstGeom>
+        </p:spPr>
+      </p:pic>
+      <p:sp>
+        <p:nvSpPr>
+          <p:cNvPr id="5" name="Полилиния 4">
+            <a:extLst>
+              <a:ext uri="{FF2B5EF4-FFF2-40B4-BE49-F238E27FC236}">
+                <a16:creationId xmlns:a16="http://schemas.microsoft.com/office/drawing/2014/main" id="{48503DCC-F608-2E58-7904-1887667D0027}"/>
+              </a:ext>
+            </a:extLst>
+          </p:cNvPr>
+          <p:cNvSpPr/>
+          <p:nvPr/>
+        </p:nvSpPr>
+        <p:spPr>
+          <a:xfrm>
+            <a:off x="3296653" y="2716192"/>
+            <a:ext cx="953758" cy="1157976"/>
+          </a:xfrm>
+          <a:custGeom>
+            <a:avLst/>
+            <a:gdLst>
+              <a:gd name="connsiteX0" fmla="*/ 493294 w 953758"/>
+              <a:gd name="connsiteY0" fmla="*/ 1157976 h 1157976"/>
+              <a:gd name="connsiteX1" fmla="*/ 938463 w 953758"/>
+              <a:gd name="connsiteY1" fmla="*/ 14976 h 1157976"/>
+              <a:gd name="connsiteX2" fmla="*/ 0 w 953758"/>
+              <a:gd name="connsiteY2" fmla="*/ 508271 h 1157976"/>
+            </a:gdLst>
+            <a:ahLst/>
+            <a:cxnLst>
+              <a:cxn ang="0">
+                <a:pos x="connsiteX0" y="connsiteY0"/>
+              </a:cxn>
+              <a:cxn ang="0">
+                <a:pos x="connsiteX1" y="connsiteY1"/>
+              </a:cxn>
+              <a:cxn ang="0">
+                <a:pos x="connsiteX2" y="connsiteY2"/>
+              </a:cxn>
+            </a:cxnLst>
+            <a:rect l="l" t="t" r="r" b="b"/>
+            <a:pathLst>
+              <a:path w="953758" h="1157976">
+                <a:moveTo>
+                  <a:pt x="493294" y="1157976"/>
+                </a:moveTo>
+                <a:cubicBezTo>
+                  <a:pt x="756986" y="640618"/>
+                  <a:pt x="1020679" y="123260"/>
+                  <a:pt x="938463" y="14976"/>
+                </a:cubicBezTo>
+                <a:cubicBezTo>
+                  <a:pt x="856247" y="-93308"/>
+                  <a:pt x="156410" y="418034"/>
+                  <a:pt x="0" y="508271"/>
+                </a:cubicBezTo>
+              </a:path>
+            </a:pathLst>
+          </a:custGeom>
+          <a:noFill/>
+          <a:ln w="76200"/>
+        </p:spPr>
+        <p:style>
+          <a:lnRef idx="2">
+            <a:schemeClr val="accent1">
+              <a:shade val="15000"/>
+            </a:schemeClr>
+          </a:lnRef>
+          <a:fillRef idx="1">
+            <a:schemeClr val="accent1"/>
+          </a:fillRef>
+          <a:effectRef idx="0">
+            <a:schemeClr val="accent1"/>
+          </a:effectRef>
+          <a:fontRef idx="minor">
+            <a:schemeClr val="lt1"/>
+          </a:fontRef>
+        </p:style>
+        <p:txBody>
+          <a:bodyPr rtlCol="0" anchor="ctr"/>
+          <a:lstStyle/>
+          <a:p>
+            <a:pPr algn="ctr"/>
+            <a:endParaRPr lang="ru-RU"/>
+          </a:p>
+        </p:txBody>
+      </p:sp>
+      <p:sp>
+        <p:nvSpPr>
+          <p:cNvPr id="6" name="Полилиния 5">
+            <a:extLst>
+              <a:ext uri="{FF2B5EF4-FFF2-40B4-BE49-F238E27FC236}">
+                <a16:creationId xmlns:a16="http://schemas.microsoft.com/office/drawing/2014/main" id="{B4060E3D-1C23-A4BF-1C01-172DD045A57C}"/>
+              </a:ext>
+            </a:extLst>
+          </p:cNvPr>
+          <p:cNvSpPr/>
+          <p:nvPr/>
+        </p:nvSpPr>
+        <p:spPr>
+          <a:xfrm>
+            <a:off x="4923903" y="4122252"/>
+            <a:ext cx="2872560" cy="2543243"/>
+          </a:xfrm>
+          <a:custGeom>
+            <a:avLst/>
+            <a:gdLst>
+              <a:gd name="connsiteX0" fmla="*/ 2042381 w 2872560"/>
+              <a:gd name="connsiteY0" fmla="*/ 1267895 h 2543243"/>
+              <a:gd name="connsiteX1" fmla="*/ 730939 w 2872560"/>
+              <a:gd name="connsiteY1" fmla="*/ 509906 h 2543243"/>
+              <a:gd name="connsiteX2" fmla="*/ 21076 w 2872560"/>
+              <a:gd name="connsiteY2" fmla="*/ 1893537 h 2543243"/>
+              <a:gd name="connsiteX3" fmla="*/ 1512992 w 2872560"/>
+              <a:gd name="connsiteY3" fmla="*/ 1821348 h 2543243"/>
+              <a:gd name="connsiteX4" fmla="*/ 1140013 w 2872560"/>
+              <a:gd name="connsiteY4" fmla="*/ 112864 h 2543243"/>
+              <a:gd name="connsiteX5" fmla="*/ 2210823 w 2872560"/>
+              <a:gd name="connsiteY5" fmla="*/ 353495 h 2543243"/>
+              <a:gd name="connsiteX6" fmla="*/ 2018318 w 2872560"/>
+              <a:gd name="connsiteY6" fmla="*/ 1905569 h 2543243"/>
+              <a:gd name="connsiteX7" fmla="*/ 2872560 w 2872560"/>
+              <a:gd name="connsiteY7" fmla="*/ 2543243 h 2543243"/>
+            </a:gdLst>
+            <a:ahLst/>
+            <a:cxnLst>
+              <a:cxn ang="0">
+                <a:pos x="connsiteX0" y="connsiteY0"/>
+              </a:cxn>
+              <a:cxn ang="0">
+                <a:pos x="connsiteX1" y="connsiteY1"/>
+              </a:cxn>
+              <a:cxn ang="0">
+                <a:pos x="connsiteX2" y="connsiteY2"/>
+              </a:cxn>
+              <a:cxn ang="0">
+                <a:pos x="connsiteX3" y="connsiteY3"/>
+              </a:cxn>
+              <a:cxn ang="0">
+                <a:pos x="connsiteX4" y="connsiteY4"/>
+              </a:cxn>
+              <a:cxn ang="0">
+                <a:pos x="connsiteX5" y="connsiteY5"/>
+              </a:cxn>
+              <a:cxn ang="0">
+                <a:pos x="connsiteX6" y="connsiteY6"/>
+              </a:cxn>
+              <a:cxn ang="0">
+                <a:pos x="connsiteX7" y="connsiteY7"/>
+              </a:cxn>
+            </a:cxnLst>
+            <a:rect l="l" t="t" r="r" b="b"/>
+            <a:pathLst>
+              <a:path w="2872560" h="2543243">
+                <a:moveTo>
+                  <a:pt x="2042381" y="1267895"/>
+                </a:moveTo>
+                <a:cubicBezTo>
+                  <a:pt x="1555102" y="836763"/>
+                  <a:pt x="1067823" y="405632"/>
+                  <a:pt x="730939" y="509906"/>
+                </a:cubicBezTo>
+                <a:cubicBezTo>
+                  <a:pt x="394055" y="614180"/>
+                  <a:pt x="-109266" y="1674963"/>
+                  <a:pt x="21076" y="1893537"/>
+                </a:cubicBezTo>
+                <a:cubicBezTo>
+                  <a:pt x="151418" y="2112111"/>
+                  <a:pt x="1326502" y="2118127"/>
+                  <a:pt x="1512992" y="1821348"/>
+                </a:cubicBezTo>
+                <a:cubicBezTo>
+                  <a:pt x="1699481" y="1524569"/>
+                  <a:pt x="1023708" y="357506"/>
+                  <a:pt x="1140013" y="112864"/>
+                </a:cubicBezTo>
+                <a:cubicBezTo>
+                  <a:pt x="1256318" y="-131778"/>
+                  <a:pt x="2064439" y="54711"/>
+                  <a:pt x="2210823" y="353495"/>
+                </a:cubicBezTo>
+                <a:cubicBezTo>
+                  <a:pt x="2357207" y="652279"/>
+                  <a:pt x="1908029" y="1540611"/>
+                  <a:pt x="2018318" y="1905569"/>
+                </a:cubicBezTo>
+                <a:cubicBezTo>
+                  <a:pt x="2128607" y="2270527"/>
+                  <a:pt x="2500583" y="2406885"/>
+                  <a:pt x="2872560" y="2543243"/>
+                </a:cubicBezTo>
+              </a:path>
+            </a:pathLst>
+          </a:custGeom>
+          <a:noFill/>
+          <a:ln w="76200"/>
+        </p:spPr>
+        <p:style>
+          <a:lnRef idx="2">
+            <a:schemeClr val="accent1">
+              <a:shade val="15000"/>
+            </a:schemeClr>
+          </a:lnRef>
+          <a:fillRef idx="1">
+            <a:schemeClr val="accent1"/>
+          </a:fillRef>
+          <a:effectRef idx="0">
+            <a:schemeClr val="accent1"/>
+          </a:effectRef>
+          <a:fontRef idx="minor">
+            <a:schemeClr val="lt1"/>
+          </a:fontRef>
+        </p:style>
+        <p:txBody>
+          <a:bodyPr rtlCol="0" anchor="ctr"/>
+          <a:lstStyle/>
+          <a:p>
+            <a:pPr algn="ctr"/>
+            <a:endParaRPr lang="ru-RU"/>
+          </a:p>
+        </p:txBody>
+      </p:sp>
     </p:spTree>
     <p:extLst>
       <p:ext uri="{BB962C8B-B14F-4D97-AF65-F5344CB8AC3E}">
@@ -4754,10 +5056,816 @@
           <a:chExt cx="0" cy="0"/>
         </a:xfrm>
       </p:grpSpPr>
+      <p:sp>
+        <p:nvSpPr>
+          <p:cNvPr id="2" name="TextBox 1">
+            <a:extLst>
+              <a:ext uri="{FF2B5EF4-FFF2-40B4-BE49-F238E27FC236}">
+                <a16:creationId xmlns:a16="http://schemas.microsoft.com/office/drawing/2014/main" id="{EAAEDE56-CAF4-833F-4997-75676755EE00}"/>
+              </a:ext>
+            </a:extLst>
+          </p:cNvPr>
+          <p:cNvSpPr txBox="1"/>
+          <p:nvPr/>
+        </p:nvSpPr>
+        <p:spPr>
+          <a:xfrm>
+            <a:off x="348916" y="192505"/>
+            <a:ext cx="3568606" cy="830997"/>
+          </a:xfrm>
+          <a:prstGeom prst="rect">
+            <a:avLst/>
+          </a:prstGeom>
+          <a:noFill/>
+        </p:spPr>
+        <p:txBody>
+          <a:bodyPr wrap="none" rtlCol="0">
+            <a:spAutoFit/>
+          </a:bodyPr>
+          <a:lstStyle/>
+          <a:p>
+            <a:r>
+              <a:rPr lang="ru-RU" sz="4800" dirty="0">
+                <a:latin typeface="+mj-lt"/>
+              </a:rPr>
+              <a:t>Базы данных</a:t>
+            </a:r>
+          </a:p>
+        </p:txBody>
+      </p:sp>
+      <p:sp>
+        <p:nvSpPr>
+          <p:cNvPr id="3" name="TextBox 2">
+            <a:extLst>
+              <a:ext uri="{FF2B5EF4-FFF2-40B4-BE49-F238E27FC236}">
+                <a16:creationId xmlns:a16="http://schemas.microsoft.com/office/drawing/2014/main" id="{2B7C0D99-FBF8-0C95-AA3E-C6F497CBB298}"/>
+              </a:ext>
+            </a:extLst>
+          </p:cNvPr>
+          <p:cNvSpPr txBox="1"/>
+          <p:nvPr/>
+        </p:nvSpPr>
+        <p:spPr>
+          <a:xfrm>
+            <a:off x="1612232" y="1371600"/>
+            <a:ext cx="4483768" cy="1569660"/>
+          </a:xfrm>
+          <a:prstGeom prst="rect">
+            <a:avLst/>
+          </a:prstGeom>
+          <a:noFill/>
+        </p:spPr>
+        <p:txBody>
+          <a:bodyPr wrap="square" rtlCol="0">
+            <a:spAutoFit/>
+          </a:bodyPr>
+          <a:lstStyle/>
+          <a:p>
+            <a:pPr marL="285750" indent="-285750">
+              <a:buFont typeface="Arial" panose="020B0604020202020204" pitchFamily="34" charset="0"/>
+              <a:buChar char="•"/>
+            </a:pPr>
+            <a:r>
+              <a:rPr lang="en-US" sz="2400" dirty="0"/>
+              <a:t>user</a:t>
+            </a:r>
+          </a:p>
+          <a:p>
+            <a:pPr marL="285750" indent="-285750">
+              <a:buFont typeface="Arial" panose="020B0604020202020204" pitchFamily="34" charset="0"/>
+              <a:buChar char="•"/>
+            </a:pPr>
+            <a:r>
+              <a:rPr lang="en-US" sz="2400" dirty="0"/>
+              <a:t>mapsH</a:t>
+            </a:r>
+          </a:p>
+          <a:p>
+            <a:pPr marL="285750" indent="-285750">
+              <a:buFont typeface="Arial" panose="020B0604020202020204" pitchFamily="34" charset="0"/>
+              <a:buChar char="•"/>
+            </a:pPr>
+            <a:r>
+              <a:rPr lang="en-US" sz="2400" dirty="0"/>
+              <a:t>mapsB</a:t>
+            </a:r>
+          </a:p>
+          <a:p>
+            <a:pPr marL="285750" indent="-285750">
+              <a:buFont typeface="Arial" panose="020B0604020202020204" pitchFamily="34" charset="0"/>
+              <a:buChar char="•"/>
+            </a:pPr>
+            <a:r>
+              <a:rPr lang="en-US" sz="2400" dirty="0"/>
+              <a:t>images</a:t>
+            </a:r>
+            <a:endParaRPr lang="ru-RU" sz="2400" dirty="0"/>
+          </a:p>
+        </p:txBody>
+      </p:sp>
+      <p:sp>
+        <p:nvSpPr>
+          <p:cNvPr id="6" name="TextBox 5">
+            <a:extLst>
+              <a:ext uri="{FF2B5EF4-FFF2-40B4-BE49-F238E27FC236}">
+                <a16:creationId xmlns:a16="http://schemas.microsoft.com/office/drawing/2014/main" id="{415BF0C0-D628-A938-E53C-4A5676AB8EF4}"/>
+              </a:ext>
+            </a:extLst>
+          </p:cNvPr>
+          <p:cNvSpPr txBox="1"/>
+          <p:nvPr/>
+        </p:nvSpPr>
+        <p:spPr>
+          <a:xfrm>
+            <a:off x="8649803" y="654170"/>
+            <a:ext cx="623889" cy="369332"/>
+          </a:xfrm>
+          <a:prstGeom prst="rect">
+            <a:avLst/>
+          </a:prstGeom>
+          <a:noFill/>
+        </p:spPr>
+        <p:txBody>
+          <a:bodyPr wrap="none" rtlCol="0">
+            <a:spAutoFit/>
+          </a:bodyPr>
+          <a:lstStyle/>
+          <a:p>
+            <a:r>
+              <a:rPr lang="en-US" dirty="0"/>
+              <a:t>user</a:t>
+            </a:r>
+            <a:endParaRPr lang="ru-RU" dirty="0"/>
+          </a:p>
+        </p:txBody>
+      </p:sp>
+      <p:sp>
+        <p:nvSpPr>
+          <p:cNvPr id="7" name="TextBox 6">
+            <a:extLst>
+              <a:ext uri="{FF2B5EF4-FFF2-40B4-BE49-F238E27FC236}">
+                <a16:creationId xmlns:a16="http://schemas.microsoft.com/office/drawing/2014/main" id="{B1558995-8F74-124C-64C9-847E8D951202}"/>
+              </a:ext>
+            </a:extLst>
+          </p:cNvPr>
+          <p:cNvSpPr txBox="1"/>
+          <p:nvPr/>
+        </p:nvSpPr>
+        <p:spPr>
+          <a:xfrm>
+            <a:off x="8518358" y="2571928"/>
+            <a:ext cx="910827" cy="369332"/>
+          </a:xfrm>
+          <a:prstGeom prst="rect">
+            <a:avLst/>
+          </a:prstGeom>
+          <a:noFill/>
+        </p:spPr>
+        <p:txBody>
+          <a:bodyPr wrap="none" rtlCol="0">
+            <a:spAutoFit/>
+          </a:bodyPr>
+          <a:lstStyle/>
+          <a:p>
+            <a:r>
+              <a:rPr lang="en-US" dirty="0"/>
+              <a:t>mapsH</a:t>
+            </a:r>
+            <a:endParaRPr lang="ru-RU" dirty="0"/>
+          </a:p>
+        </p:txBody>
+      </p:sp>
+      <p:sp>
+        <p:nvSpPr>
+          <p:cNvPr id="8" name="TextBox 7">
+            <a:extLst>
+              <a:ext uri="{FF2B5EF4-FFF2-40B4-BE49-F238E27FC236}">
+                <a16:creationId xmlns:a16="http://schemas.microsoft.com/office/drawing/2014/main" id="{BD4F8DF9-7E9A-4B40-38F0-F3665D2510D4}"/>
+              </a:ext>
+            </a:extLst>
+          </p:cNvPr>
+          <p:cNvSpPr txBox="1"/>
+          <p:nvPr/>
+        </p:nvSpPr>
+        <p:spPr>
+          <a:xfrm>
+            <a:off x="8530380" y="4511842"/>
+            <a:ext cx="886781" cy="369332"/>
+          </a:xfrm>
+          <a:prstGeom prst="rect">
+            <a:avLst/>
+          </a:prstGeom>
+          <a:noFill/>
+        </p:spPr>
+        <p:txBody>
+          <a:bodyPr wrap="none" rtlCol="0">
+            <a:spAutoFit/>
+          </a:bodyPr>
+          <a:lstStyle/>
+          <a:p>
+            <a:r>
+              <a:rPr lang="en-US" dirty="0"/>
+              <a:t>mapsB</a:t>
+            </a:r>
+            <a:endParaRPr lang="ru-RU" dirty="0"/>
+          </a:p>
+        </p:txBody>
+      </p:sp>
+      <p:sp>
+        <p:nvSpPr>
+          <p:cNvPr id="9" name="TextBox 8">
+            <a:extLst>
+              <a:ext uri="{FF2B5EF4-FFF2-40B4-BE49-F238E27FC236}">
+                <a16:creationId xmlns:a16="http://schemas.microsoft.com/office/drawing/2014/main" id="{6EDEA7D9-FC88-3970-C9F7-56E1E0ADA89D}"/>
+              </a:ext>
+            </a:extLst>
+          </p:cNvPr>
+          <p:cNvSpPr txBox="1"/>
+          <p:nvPr/>
+        </p:nvSpPr>
+        <p:spPr>
+          <a:xfrm>
+            <a:off x="10780295" y="4511842"/>
+            <a:ext cx="904350" cy="369332"/>
+          </a:xfrm>
+          <a:prstGeom prst="rect">
+            <a:avLst/>
+          </a:prstGeom>
+          <a:noFill/>
+        </p:spPr>
+        <p:txBody>
+          <a:bodyPr wrap="none" rtlCol="0">
+            <a:spAutoFit/>
+          </a:bodyPr>
+          <a:lstStyle/>
+          <a:p>
+            <a:r>
+              <a:rPr lang="en-US" dirty="0"/>
+              <a:t>images</a:t>
+            </a:r>
+            <a:endParaRPr lang="ru-RU" dirty="0"/>
+          </a:p>
+        </p:txBody>
+      </p:sp>
+      <p:cxnSp>
+        <p:nvCxnSpPr>
+          <p:cNvPr id="11" name="Прямая со стрелкой 10">
+            <a:extLst>
+              <a:ext uri="{FF2B5EF4-FFF2-40B4-BE49-F238E27FC236}">
+                <a16:creationId xmlns:a16="http://schemas.microsoft.com/office/drawing/2014/main" id="{A8FD3CBF-23D2-6A0A-0C01-BD02B7B886E4}"/>
+              </a:ext>
+            </a:extLst>
+          </p:cNvPr>
+          <p:cNvCxnSpPr>
+            <a:cxnSpLocks/>
+            <a:stCxn id="7" idx="0"/>
+            <a:endCxn id="6" idx="2"/>
+          </p:cNvCxnSpPr>
+          <p:nvPr/>
+        </p:nvCxnSpPr>
+        <p:spPr>
+          <a:xfrm flipH="1" flipV="1">
+            <a:off x="8961748" y="1023502"/>
+            <a:ext cx="12024" cy="1548426"/>
+          </a:xfrm>
+          <a:prstGeom prst="straightConnector1">
+            <a:avLst/>
+          </a:prstGeom>
+          <a:ln>
+            <a:solidFill>
+              <a:schemeClr val="tx1"/>
+            </a:solidFill>
+            <a:tailEnd type="triangle"/>
+          </a:ln>
+        </p:spPr>
+        <p:style>
+          <a:lnRef idx="2">
+            <a:schemeClr val="accent1"/>
+          </a:lnRef>
+          <a:fillRef idx="0">
+            <a:schemeClr val="accent1"/>
+          </a:fillRef>
+          <a:effectRef idx="1">
+            <a:schemeClr val="accent1"/>
+          </a:effectRef>
+          <a:fontRef idx="minor">
+            <a:schemeClr val="tx1"/>
+          </a:fontRef>
+        </p:style>
+      </p:cxnSp>
+      <p:sp>
+        <p:nvSpPr>
+          <p:cNvPr id="14" name="TextBox 13">
+            <a:extLst>
+              <a:ext uri="{FF2B5EF4-FFF2-40B4-BE49-F238E27FC236}">
+                <a16:creationId xmlns:a16="http://schemas.microsoft.com/office/drawing/2014/main" id="{7AC8ACB7-3F9B-A723-EE73-A59A8DFF981B}"/>
+              </a:ext>
+            </a:extLst>
+          </p:cNvPr>
+          <p:cNvSpPr txBox="1"/>
+          <p:nvPr/>
+        </p:nvSpPr>
+        <p:spPr>
+          <a:xfrm rot="16200000">
+            <a:off x="8433879" y="1643070"/>
+            <a:ext cx="801181" cy="369332"/>
+          </a:xfrm>
+          <a:prstGeom prst="rect">
+            <a:avLst/>
+          </a:prstGeom>
+          <a:noFill/>
+        </p:spPr>
+        <p:txBody>
+          <a:bodyPr wrap="none" rtlCol="0">
+            <a:spAutoFit/>
+          </a:bodyPr>
+          <a:lstStyle/>
+          <a:p>
+            <a:r>
+              <a:rPr lang="en-US" dirty="0"/>
+              <a:t>owner</a:t>
+            </a:r>
+            <a:endParaRPr lang="ru-RU" dirty="0"/>
+          </a:p>
+        </p:txBody>
+      </p:sp>
+      <p:cxnSp>
+        <p:nvCxnSpPr>
+          <p:cNvPr id="16" name="Прямая со стрелкой 15">
+            <a:extLst>
+              <a:ext uri="{FF2B5EF4-FFF2-40B4-BE49-F238E27FC236}">
+                <a16:creationId xmlns:a16="http://schemas.microsoft.com/office/drawing/2014/main" id="{57A39F54-BC53-E87E-37F9-2C0161F236FD}"/>
+              </a:ext>
+            </a:extLst>
+          </p:cNvPr>
+          <p:cNvCxnSpPr>
+            <a:cxnSpLocks/>
+            <a:stCxn id="7" idx="2"/>
+            <a:endCxn id="8" idx="0"/>
+          </p:cNvCxnSpPr>
+          <p:nvPr/>
+        </p:nvCxnSpPr>
+        <p:spPr>
+          <a:xfrm flipH="1">
+            <a:off x="8973771" y="2941260"/>
+            <a:ext cx="1" cy="1570582"/>
+          </a:xfrm>
+          <a:prstGeom prst="straightConnector1">
+            <a:avLst/>
+          </a:prstGeom>
+          <a:ln>
+            <a:solidFill>
+              <a:schemeClr val="tx1"/>
+            </a:solidFill>
+            <a:tailEnd type="triangle"/>
+          </a:ln>
+        </p:spPr>
+        <p:style>
+          <a:lnRef idx="2">
+            <a:schemeClr val="accent1"/>
+          </a:lnRef>
+          <a:fillRef idx="0">
+            <a:schemeClr val="accent1"/>
+          </a:fillRef>
+          <a:effectRef idx="1">
+            <a:schemeClr val="accent1"/>
+          </a:effectRef>
+          <a:fontRef idx="minor">
+            <a:schemeClr val="tx1"/>
+          </a:fontRef>
+        </p:style>
+      </p:cxnSp>
+      <p:cxnSp>
+        <p:nvCxnSpPr>
+          <p:cNvPr id="20" name="Прямая со стрелкой 19">
+            <a:extLst>
+              <a:ext uri="{FF2B5EF4-FFF2-40B4-BE49-F238E27FC236}">
+                <a16:creationId xmlns:a16="http://schemas.microsoft.com/office/drawing/2014/main" id="{C05C499B-7264-0236-DF82-D5AC998083D8}"/>
+              </a:ext>
+            </a:extLst>
+          </p:cNvPr>
+          <p:cNvCxnSpPr>
+            <a:cxnSpLocks/>
+            <a:stCxn id="8" idx="3"/>
+            <a:endCxn id="9" idx="1"/>
+          </p:cNvCxnSpPr>
+          <p:nvPr/>
+        </p:nvCxnSpPr>
+        <p:spPr>
+          <a:xfrm>
+            <a:off x="9417161" y="4696508"/>
+            <a:ext cx="1363134" cy="0"/>
+          </a:xfrm>
+          <a:prstGeom prst="straightConnector1">
+            <a:avLst/>
+          </a:prstGeom>
+          <a:ln>
+            <a:solidFill>
+              <a:schemeClr val="tx1"/>
+            </a:solidFill>
+            <a:tailEnd type="triangle"/>
+          </a:ln>
+        </p:spPr>
+        <p:style>
+          <a:lnRef idx="2">
+            <a:schemeClr val="accent1"/>
+          </a:lnRef>
+          <a:fillRef idx="0">
+            <a:schemeClr val="accent1"/>
+          </a:fillRef>
+          <a:effectRef idx="1">
+            <a:schemeClr val="accent1"/>
+          </a:effectRef>
+          <a:fontRef idx="minor">
+            <a:schemeClr val="tx1"/>
+          </a:fontRef>
+        </p:style>
+      </p:cxnSp>
+      <p:sp>
+        <p:nvSpPr>
+          <p:cNvPr id="22" name="TextBox 21">
+            <a:extLst>
+              <a:ext uri="{FF2B5EF4-FFF2-40B4-BE49-F238E27FC236}">
+                <a16:creationId xmlns:a16="http://schemas.microsoft.com/office/drawing/2014/main" id="{665960D4-1B95-3729-8690-7722FC04B3CD}"/>
+              </a:ext>
+            </a:extLst>
+          </p:cNvPr>
+          <p:cNvSpPr txBox="1"/>
+          <p:nvPr/>
+        </p:nvSpPr>
+        <p:spPr>
+          <a:xfrm rot="16200000">
+            <a:off x="8460809" y="3584184"/>
+            <a:ext cx="747320" cy="369332"/>
+          </a:xfrm>
+          <a:prstGeom prst="rect">
+            <a:avLst/>
+          </a:prstGeom>
+          <a:noFill/>
+        </p:spPr>
+        <p:txBody>
+          <a:bodyPr wrap="none" rtlCol="0">
+            <a:spAutoFit/>
+          </a:bodyPr>
+          <a:lstStyle/>
+          <a:p>
+            <a:r>
+              <a:rPr lang="en-US" dirty="0"/>
+              <a:t>maps</a:t>
+            </a:r>
+            <a:endParaRPr lang="ru-RU" dirty="0"/>
+          </a:p>
+        </p:txBody>
+      </p:sp>
+      <p:sp>
+        <p:nvSpPr>
+          <p:cNvPr id="23" name="TextBox 22">
+            <a:extLst>
+              <a:ext uri="{FF2B5EF4-FFF2-40B4-BE49-F238E27FC236}">
+                <a16:creationId xmlns:a16="http://schemas.microsoft.com/office/drawing/2014/main" id="{660E8AFC-FCF6-7D2B-619F-48FB59FBBB6E}"/>
+              </a:ext>
+            </a:extLst>
+          </p:cNvPr>
+          <p:cNvSpPr txBox="1"/>
+          <p:nvPr/>
+        </p:nvSpPr>
+        <p:spPr>
+          <a:xfrm>
+            <a:off x="9646553" y="4340598"/>
+            <a:ext cx="904350" cy="369332"/>
+          </a:xfrm>
+          <a:prstGeom prst="rect">
+            <a:avLst/>
+          </a:prstGeom>
+          <a:noFill/>
+        </p:spPr>
+        <p:txBody>
+          <a:bodyPr wrap="none" rtlCol="0">
+            <a:spAutoFit/>
+          </a:bodyPr>
+          <a:lstStyle/>
+          <a:p>
+            <a:r>
+              <a:rPr lang="en-US" dirty="0"/>
+              <a:t>images</a:t>
+            </a:r>
+            <a:endParaRPr lang="ru-RU" dirty="0"/>
+          </a:p>
+        </p:txBody>
+      </p:sp>
     </p:spTree>
     <p:extLst>
       <p:ext uri="{BB962C8B-B14F-4D97-AF65-F5344CB8AC3E}">
         <p14:creationId xmlns:p14="http://schemas.microsoft.com/office/powerpoint/2010/main" val="2404788117"/>
+      </p:ext>
+    </p:extLst>
+  </p:cSld>
+  <p:clrMapOvr>
+    <a:masterClrMapping/>
+  </p:clrMapOvr>
+</p:sld>
+</file>
+
+<file path=ppt/slides/slide4.xml><?xml version="1.0" encoding="utf-8"?>
+<p:sld xmlns:a="http://schemas.openxmlformats.org/drawingml/2006/main" xmlns:r="http://schemas.openxmlformats.org/officeDocument/2006/relationships" xmlns:p="http://schemas.openxmlformats.org/presentationml/2006/main">
+  <p:cSld>
+    <p:spTree>
+      <p:nvGrpSpPr>
+        <p:cNvPr id="1" name=""/>
+        <p:cNvGrpSpPr/>
+        <p:nvPr/>
+      </p:nvGrpSpPr>
+      <p:grpSpPr>
+        <a:xfrm>
+          <a:off x="0" y="0"/>
+          <a:ext cx="0" cy="0"/>
+          <a:chOff x="0" y="0"/>
+          <a:chExt cx="0" cy="0"/>
+        </a:xfrm>
+      </p:grpSpPr>
+      <p:pic>
+        <p:nvPicPr>
+          <p:cNvPr id="5" name="Рисунок 4" descr="Изображение выглядит как текст, снимок экрана, чек, Шрифт&#10;&#10;Автоматически созданное описание">
+            <a:extLst>
+              <a:ext uri="{FF2B5EF4-FFF2-40B4-BE49-F238E27FC236}">
+                <a16:creationId xmlns:a16="http://schemas.microsoft.com/office/drawing/2014/main" id="{495D8EAA-45F8-6E34-4317-E8B7568D5B62}"/>
+              </a:ext>
+            </a:extLst>
+          </p:cNvPr>
+          <p:cNvPicPr>
+            <a:picLocks noChangeAspect="1"/>
+          </p:cNvPicPr>
+          <p:nvPr/>
+        </p:nvPicPr>
+        <p:blipFill>
+          <a:blip r:embed="rId2"/>
+          <a:stretch>
+            <a:fillRect/>
+          </a:stretch>
+        </p:blipFill>
+        <p:spPr>
+          <a:xfrm>
+            <a:off x="0" y="0"/>
+            <a:ext cx="6872400" cy="3426655"/>
+          </a:xfrm>
+          <a:prstGeom prst="rect">
+            <a:avLst/>
+          </a:prstGeom>
+          <a:ln>
+            <a:solidFill>
+              <a:schemeClr val="tx1"/>
+            </a:solidFill>
+          </a:ln>
+        </p:spPr>
+      </p:pic>
+      <p:pic>
+        <p:nvPicPr>
+          <p:cNvPr id="7" name="Рисунок 6" descr="Изображение выглядит как текст, снимок экрана&#10;&#10;Автоматически созданное описание">
+            <a:extLst>
+              <a:ext uri="{FF2B5EF4-FFF2-40B4-BE49-F238E27FC236}">
+                <a16:creationId xmlns:a16="http://schemas.microsoft.com/office/drawing/2014/main" id="{E7B9FDFD-EFA4-559C-FCDB-DF5394F0781D}"/>
+              </a:ext>
+            </a:extLst>
+          </p:cNvPr>
+          <p:cNvPicPr>
+            <a:picLocks noChangeAspect="1"/>
+          </p:cNvPicPr>
+          <p:nvPr/>
+        </p:nvPicPr>
+        <p:blipFill>
+          <a:blip r:embed="rId3"/>
+          <a:stretch>
+            <a:fillRect/>
+          </a:stretch>
+        </p:blipFill>
+        <p:spPr>
+          <a:xfrm>
+            <a:off x="5318508" y="3430800"/>
+            <a:ext cx="6873492" cy="3427200"/>
+          </a:xfrm>
+          <a:prstGeom prst="rect">
+            <a:avLst/>
+          </a:prstGeom>
+          <a:ln>
+            <a:solidFill>
+              <a:schemeClr val="tx1"/>
+            </a:solidFill>
+          </a:ln>
+        </p:spPr>
+      </p:pic>
+    </p:spTree>
+    <p:extLst>
+      <p:ext uri="{BB962C8B-B14F-4D97-AF65-F5344CB8AC3E}">
+        <p14:creationId xmlns:p14="http://schemas.microsoft.com/office/powerpoint/2010/main" val="2098657188"/>
+      </p:ext>
+    </p:extLst>
+  </p:cSld>
+  <p:clrMapOvr>
+    <a:masterClrMapping/>
+  </p:clrMapOvr>
+</p:sld>
+</file>
+
+<file path=ppt/slides/slide5.xml><?xml version="1.0" encoding="utf-8"?>
+<p:sld xmlns:a="http://schemas.openxmlformats.org/drawingml/2006/main" xmlns:r="http://schemas.openxmlformats.org/officeDocument/2006/relationships" xmlns:p="http://schemas.openxmlformats.org/presentationml/2006/main">
+  <p:cSld>
+    <p:spTree>
+      <p:nvGrpSpPr>
+        <p:cNvPr id="1" name=""/>
+        <p:cNvGrpSpPr/>
+        <p:nvPr/>
+      </p:nvGrpSpPr>
+      <p:grpSpPr>
+        <a:xfrm>
+          <a:off x="0" y="0"/>
+          <a:ext cx="0" cy="0"/>
+          <a:chOff x="0" y="0"/>
+          <a:chExt cx="0" cy="0"/>
+        </a:xfrm>
+      </p:grpSpPr>
+      <p:pic>
+        <p:nvPicPr>
+          <p:cNvPr id="10" name="Рисунок 9" descr="Изображение выглядит как текст, диаграмма, карта, снимок экрана&#10;&#10;Автоматически созданное описание">
+            <a:extLst>
+              <a:ext uri="{FF2B5EF4-FFF2-40B4-BE49-F238E27FC236}">
+                <a16:creationId xmlns:a16="http://schemas.microsoft.com/office/drawing/2014/main" id="{D6770B0D-0BA9-F522-7983-372D7CB2FEAF}"/>
+              </a:ext>
+            </a:extLst>
+          </p:cNvPr>
+          <p:cNvPicPr>
+            <a:picLocks noChangeAspect="1"/>
+          </p:cNvPicPr>
+          <p:nvPr/>
+        </p:nvPicPr>
+        <p:blipFill>
+          <a:blip r:embed="rId2"/>
+          <a:stretch>
+            <a:fillRect/>
+          </a:stretch>
+        </p:blipFill>
+        <p:spPr>
+          <a:xfrm>
+            <a:off x="0" y="421481"/>
+            <a:ext cx="12192000" cy="6015038"/>
+          </a:xfrm>
+          <a:prstGeom prst="rect">
+            <a:avLst/>
+          </a:prstGeom>
+          <a:ln>
+            <a:solidFill>
+              <a:schemeClr val="tx1"/>
+            </a:solidFill>
+          </a:ln>
+        </p:spPr>
+      </p:pic>
+    </p:spTree>
+    <p:extLst>
+      <p:ext uri="{BB962C8B-B14F-4D97-AF65-F5344CB8AC3E}">
+        <p14:creationId xmlns:p14="http://schemas.microsoft.com/office/powerpoint/2010/main" val="3017784723"/>
+      </p:ext>
+    </p:extLst>
+  </p:cSld>
+  <p:clrMapOvr>
+    <a:masterClrMapping/>
+  </p:clrMapOvr>
+</p:sld>
+</file>
+
+<file path=ppt/slides/slide6.xml><?xml version="1.0" encoding="utf-8"?>
+<p:sld xmlns:a="http://schemas.openxmlformats.org/drawingml/2006/main" xmlns:r="http://schemas.openxmlformats.org/officeDocument/2006/relationships" xmlns:p="http://schemas.openxmlformats.org/presentationml/2006/main">
+  <p:cSld>
+    <p:spTree>
+      <p:nvGrpSpPr>
+        <p:cNvPr id="1" name=""/>
+        <p:cNvGrpSpPr/>
+        <p:nvPr/>
+      </p:nvGrpSpPr>
+      <p:grpSpPr>
+        <a:xfrm>
+          <a:off x="0" y="0"/>
+          <a:ext cx="0" cy="0"/>
+          <a:chOff x="0" y="0"/>
+          <a:chExt cx="0" cy="0"/>
+        </a:xfrm>
+      </p:grpSpPr>
+      <p:pic>
+        <p:nvPicPr>
+          <p:cNvPr id="3" name="Рисунок 2" descr="Изображение выглядит как текст, карта, снимок экрана, диаграмма&#10;&#10;Автоматически созданное описание">
+            <a:extLst>
+              <a:ext uri="{FF2B5EF4-FFF2-40B4-BE49-F238E27FC236}">
+                <a16:creationId xmlns:a16="http://schemas.microsoft.com/office/drawing/2014/main" id="{C78779A0-A759-5EF9-671B-B2229237878D}"/>
+              </a:ext>
+            </a:extLst>
+          </p:cNvPr>
+          <p:cNvPicPr>
+            <a:picLocks noChangeAspect="1"/>
+          </p:cNvPicPr>
+          <p:nvPr/>
+        </p:nvPicPr>
+        <p:blipFill>
+          <a:blip r:embed="rId2"/>
+          <a:stretch>
+            <a:fillRect/>
+          </a:stretch>
+        </p:blipFill>
+        <p:spPr>
+          <a:xfrm>
+            <a:off x="0" y="0"/>
+            <a:ext cx="7095301" cy="6858000"/>
+          </a:xfrm>
+          <a:prstGeom prst="rect">
+            <a:avLst/>
+          </a:prstGeom>
+          <a:ln>
+            <a:solidFill>
+              <a:schemeClr val="tx1"/>
+            </a:solidFill>
+          </a:ln>
+        </p:spPr>
+      </p:pic>
+      <p:pic>
+        <p:nvPicPr>
+          <p:cNvPr id="5" name="Рисунок 4" descr="Изображение выглядит как текст, Шрифт, белый, снимок экрана&#10;&#10;Автоматически созданное описание">
+            <a:extLst>
+              <a:ext uri="{FF2B5EF4-FFF2-40B4-BE49-F238E27FC236}">
+                <a16:creationId xmlns:a16="http://schemas.microsoft.com/office/drawing/2014/main" id="{1D40CFC9-54EE-5285-F4A8-D39FF742CF44}"/>
+              </a:ext>
+            </a:extLst>
+          </p:cNvPr>
+          <p:cNvPicPr>
+            <a:picLocks noChangeAspect="1"/>
+          </p:cNvPicPr>
+          <p:nvPr/>
+        </p:nvPicPr>
+        <p:blipFill>
+          <a:blip r:embed="rId3"/>
+          <a:stretch>
+            <a:fillRect/>
+          </a:stretch>
+        </p:blipFill>
+        <p:spPr>
+          <a:xfrm>
+            <a:off x="7285388" y="428624"/>
+            <a:ext cx="4763737" cy="1405077"/>
+          </a:xfrm>
+          <a:prstGeom prst="rect">
+            <a:avLst/>
+          </a:prstGeom>
+          <a:ln>
+            <a:solidFill>
+              <a:schemeClr val="tx1"/>
+            </a:solidFill>
+          </a:ln>
+        </p:spPr>
+      </p:pic>
+      <p:cxnSp>
+        <p:nvCxnSpPr>
+          <p:cNvPr id="7" name="Скругленная соединительная линия 6">
+            <a:extLst>
+              <a:ext uri="{FF2B5EF4-FFF2-40B4-BE49-F238E27FC236}">
+                <a16:creationId xmlns:a16="http://schemas.microsoft.com/office/drawing/2014/main" id="{2D8FA126-3318-F560-5309-9B06F5566F1E}"/>
+              </a:ext>
+            </a:extLst>
+          </p:cNvPr>
+          <p:cNvCxnSpPr>
+            <a:cxnSpLocks/>
+          </p:cNvCxnSpPr>
+          <p:nvPr/>
+        </p:nvCxnSpPr>
+        <p:spPr>
+          <a:xfrm rot="5400000" flipH="1" flipV="1">
+            <a:off x="5037901" y="2185989"/>
+            <a:ext cx="4114800" cy="4029075"/>
+          </a:xfrm>
+          <a:prstGeom prst="curvedConnector3">
+            <a:avLst/>
+          </a:prstGeom>
+          <a:ln w="47625">
+            <a:solidFill>
+              <a:schemeClr val="tx1"/>
+            </a:solidFill>
+            <a:tailEnd type="triangle"/>
+          </a:ln>
+        </p:spPr>
+        <p:style>
+          <a:lnRef idx="2">
+            <a:schemeClr val="accent1"/>
+          </a:lnRef>
+          <a:fillRef idx="0">
+            <a:schemeClr val="accent1"/>
+          </a:fillRef>
+          <a:effectRef idx="1">
+            <a:schemeClr val="accent1"/>
+          </a:effectRef>
+          <a:fontRef idx="minor">
+            <a:schemeClr val="tx1"/>
+          </a:fontRef>
+        </p:style>
+      </p:cxnSp>
+    </p:spTree>
+    <p:extLst>
+      <p:ext uri="{BB962C8B-B14F-4D97-AF65-F5344CB8AC3E}">
+        <p14:creationId xmlns:p14="http://schemas.microsoft.com/office/powerpoint/2010/main" val="2343352147"/>
       </p:ext>
     </p:extLst>
   </p:cSld>
